--- a/lectures/Chapter4/neuralNetworkLearning2.pptx
+++ b/lectures/Chapter4/neuralNetworkLearning2.pptx
@@ -5,40 +5,38 @@
     <p:sldMasterId id="2147483657" r:id="rId1"/>
   </p:sldMasterIdLst>
   <p:notesMasterIdLst>
-    <p:notesMasterId r:id="rId9"/>
+    <p:notesMasterId r:id="rId7"/>
   </p:notesMasterIdLst>
   <p:sldIdLst>
-    <p:sldId id="259" r:id="rId2"/>
-    <p:sldId id="281" r:id="rId3"/>
-    <p:sldId id="282" r:id="rId4"/>
-    <p:sldId id="287" r:id="rId5"/>
-    <p:sldId id="288" r:id="rId6"/>
-    <p:sldId id="297" r:id="rId7"/>
-    <p:sldId id="284" r:id="rId8"/>
+    <p:sldId id="281" r:id="rId2"/>
+    <p:sldId id="282" r:id="rId3"/>
+    <p:sldId id="287" r:id="rId4"/>
+    <p:sldId id="288" r:id="rId5"/>
+    <p:sldId id="297" r:id="rId6"/>
   </p:sldIdLst>
   <p:sldSz cx="9144000" cy="5143500" type="screen16x9"/>
   <p:notesSz cx="6858000" cy="9144000"/>
   <p:embeddedFontLst>
     <p:embeddedFont>
       <p:font typeface="Arvo" panose="020B0604020202020204" charset="0"/>
-      <p:regular r:id="rId10"/>
-      <p:bold r:id="rId11"/>
-      <p:italic r:id="rId12"/>
-      <p:boldItalic r:id="rId13"/>
+      <p:regular r:id="rId8"/>
+      <p:bold r:id="rId9"/>
+      <p:italic r:id="rId10"/>
+      <p:boldItalic r:id="rId11"/>
     </p:embeddedFont>
     <p:embeddedFont>
       <p:font typeface="Roboto Condensed" panose="02000000000000000000" pitchFamily="2" charset="0"/>
-      <p:regular r:id="rId14"/>
-      <p:bold r:id="rId15"/>
-      <p:italic r:id="rId16"/>
-      <p:boldItalic r:id="rId17"/>
+      <p:regular r:id="rId12"/>
+      <p:bold r:id="rId13"/>
+      <p:italic r:id="rId14"/>
+      <p:boldItalic r:id="rId15"/>
     </p:embeddedFont>
     <p:embeddedFont>
       <p:font typeface="Roboto Condensed Light" panose="02000000000000000000" pitchFamily="2" charset="0"/>
-      <p:regular r:id="rId18"/>
-      <p:bold r:id="rId19"/>
-      <p:italic r:id="rId20"/>
-      <p:boldItalic r:id="rId21"/>
+      <p:regular r:id="rId16"/>
+      <p:bold r:id="rId17"/>
+      <p:italic r:id="rId18"/>
+      <p:boldItalic r:id="rId19"/>
     </p:embeddedFont>
   </p:embeddedFontLst>
   <p:defaultTextStyle>
@@ -251,6 +249,49 @@
 </p:presentation>
 </file>
 
+<file path=ppt/changesInfos/changesInfo1.xml><?xml version="1.0" encoding="utf-8"?>
+<pc:chgInfo xmlns:a="http://schemas.openxmlformats.org/drawingml/2006/main" xmlns:r="http://schemas.openxmlformats.org/officeDocument/2006/relationships" xmlns:ac="http://schemas.microsoft.com/office/drawing/2013/main/command" xmlns:pc="http://schemas.microsoft.com/office/powerpoint/2013/main/command">
+  <pc:docChgLst>
+    <pc:chgData name="Jan" userId="185de13651d64d23" providerId="LiveId" clId="{3527E26D-6AA7-47E8-9246-279F92E158EB}"/>
+    <pc:docChg chg="delSld">
+      <pc:chgData name="Jan" userId="185de13651d64d23" providerId="LiveId" clId="{3527E26D-6AA7-47E8-9246-279F92E158EB}" dt="2023-07-28T07:13:05.015" v="1" actId="47"/>
+      <pc:docMkLst>
+        <pc:docMk/>
+      </pc:docMkLst>
+      <pc:sldChg chg="del">
+        <pc:chgData name="Jan" userId="185de13651d64d23" providerId="LiveId" clId="{3527E26D-6AA7-47E8-9246-279F92E158EB}" dt="2023-07-28T07:13:02.577" v="0" actId="47"/>
+        <pc:sldMkLst>
+          <pc:docMk/>
+          <pc:sldMk cId="0" sldId="259"/>
+        </pc:sldMkLst>
+      </pc:sldChg>
+      <pc:sldChg chg="del">
+        <pc:chgData name="Jan" userId="185de13651d64d23" providerId="LiveId" clId="{3527E26D-6AA7-47E8-9246-279F92E158EB}" dt="2023-07-28T07:13:05.015" v="1" actId="47"/>
+        <pc:sldMkLst>
+          <pc:docMk/>
+          <pc:sldMk cId="234268604" sldId="284"/>
+        </pc:sldMkLst>
+      </pc:sldChg>
+      <pc:sldMasterChg chg="delSldLayout">
+        <pc:chgData name="Jan" userId="185de13651d64d23" providerId="LiveId" clId="{3527E26D-6AA7-47E8-9246-279F92E158EB}" dt="2023-07-28T07:13:02.577" v="0" actId="47"/>
+        <pc:sldMasterMkLst>
+          <pc:docMk/>
+          <pc:sldMasterMk cId="0" sldId="2147483657"/>
+        </pc:sldMasterMkLst>
+        <pc:sldLayoutChg chg="del">
+          <pc:chgData name="Jan" userId="185de13651d64d23" providerId="LiveId" clId="{3527E26D-6AA7-47E8-9246-279F92E158EB}" dt="2023-07-28T07:13:02.577" v="0" actId="47"/>
+          <pc:sldLayoutMkLst>
+            <pc:docMk/>
+            <pc:sldMasterMk cId="0" sldId="2147483657"/>
+            <pc:sldLayoutMk cId="0" sldId="2147483649"/>
+          </pc:sldLayoutMkLst>
+        </pc:sldLayoutChg>
+      </pc:sldMasterChg>
+    </pc:docChg>
+  </pc:docChgLst>
+</pc:chgInfo>
+</file>
+
 <file path=ppt/notesMasters/notesMaster1.xml><?xml version="1.0" encoding="utf-8"?>
 <p:notesMaster xmlns:a="http://schemas.openxmlformats.org/drawingml/2006/main" xmlns:r="http://schemas.openxmlformats.org/officeDocument/2006/relationships" xmlns:p="http://schemas.openxmlformats.org/presentationml/2006/main">
   <p:cSld>
@@ -531,7 +572,7 @@
   <p:cSld>
     <p:spTree>
       <p:nvGrpSpPr>
-        <p:cNvPr id="1" name="Shape 217"/>
+        <p:cNvPr id="1" name="Shape 232"/>
         <p:cNvGrpSpPr/>
         <p:nvPr/>
       </p:nvGrpSpPr>
@@ -545,7 +586,7 @@
       </p:grpSpPr>
       <p:sp>
         <p:nvSpPr>
-          <p:cNvPr id="218" name="Shape 218"/>
+          <p:cNvPr id="233" name="Shape 233"/>
           <p:cNvSpPr>
             <a:spLocks noGrp="1" noRot="1" noChangeAspect="1"/>
           </p:cNvSpPr>
@@ -586,7 +627,7 @@
       </p:sp>
       <p:sp>
         <p:nvSpPr>
-          <p:cNvPr id="219" name="Shape 219"/>
+          <p:cNvPr id="234" name="Shape 234"/>
           <p:cNvSpPr txBox="1">
             <a:spLocks noGrp="1"/>
           </p:cNvSpPr>
@@ -620,6 +661,11 @@
         </p:txBody>
       </p:sp>
     </p:spTree>
+    <p:extLst>
+      <p:ext uri="{BB962C8B-B14F-4D97-AF65-F5344CB8AC3E}">
+        <p14:creationId xmlns:p14="http://schemas.microsoft.com/office/powerpoint/2010/main" val="3259800235"/>
+      </p:ext>
+    </p:extLst>
   </p:cSld>
   <p:clrMapOvr>
     <a:masterClrMapping/>
@@ -723,7 +769,7 @@
     </p:spTree>
     <p:extLst>
       <p:ext uri="{BB962C8B-B14F-4D97-AF65-F5344CB8AC3E}">
-        <p14:creationId xmlns:p14="http://schemas.microsoft.com/office/powerpoint/2010/main" val="3259800235"/>
+        <p14:creationId xmlns:p14="http://schemas.microsoft.com/office/powerpoint/2010/main" val="3402325145"/>
       </p:ext>
     </p:extLst>
   </p:cSld>
@@ -829,7 +875,7 @@
     </p:spTree>
     <p:extLst>
       <p:ext uri="{BB962C8B-B14F-4D97-AF65-F5344CB8AC3E}">
-        <p14:creationId xmlns:p14="http://schemas.microsoft.com/office/powerpoint/2010/main" val="3402325145"/>
+        <p14:creationId xmlns:p14="http://schemas.microsoft.com/office/powerpoint/2010/main" val="3818167754"/>
       </p:ext>
     </p:extLst>
   </p:cSld>
@@ -935,7 +981,7 @@
     </p:spTree>
     <p:extLst>
       <p:ext uri="{BB962C8B-B14F-4D97-AF65-F5344CB8AC3E}">
-        <p14:creationId xmlns:p14="http://schemas.microsoft.com/office/powerpoint/2010/main" val="3818167754"/>
+        <p14:creationId xmlns:p14="http://schemas.microsoft.com/office/powerpoint/2010/main" val="2616698538"/>
       </p:ext>
     </p:extLst>
   </p:cSld>
@@ -1041,112 +1087,6 @@
     </p:spTree>
     <p:extLst>
       <p:ext uri="{BB962C8B-B14F-4D97-AF65-F5344CB8AC3E}">
-        <p14:creationId xmlns:p14="http://schemas.microsoft.com/office/powerpoint/2010/main" val="2616698538"/>
-      </p:ext>
-    </p:extLst>
-  </p:cSld>
-  <p:clrMapOvr>
-    <a:masterClrMapping/>
-  </p:clrMapOvr>
-</p:notes>
-</file>
-
-<file path=ppt/notesSlides/notesSlide6.xml><?xml version="1.0" encoding="utf-8"?>
-<p:notes xmlns:a="http://schemas.openxmlformats.org/drawingml/2006/main" xmlns:r="http://schemas.openxmlformats.org/officeDocument/2006/relationships" xmlns:p="http://schemas.openxmlformats.org/presentationml/2006/main" showMasterSp="0" showMasterPhAnim="0">
-  <p:cSld>
-    <p:spTree>
-      <p:nvGrpSpPr>
-        <p:cNvPr id="1" name="Shape 232"/>
-        <p:cNvGrpSpPr/>
-        <p:nvPr/>
-      </p:nvGrpSpPr>
-      <p:grpSpPr>
-        <a:xfrm>
-          <a:off x="0" y="0"/>
-          <a:ext cx="0" cy="0"/>
-          <a:chOff x="0" y="0"/>
-          <a:chExt cx="0" cy="0"/>
-        </a:xfrm>
-      </p:grpSpPr>
-      <p:sp>
-        <p:nvSpPr>
-          <p:cNvPr id="233" name="Shape 233"/>
-          <p:cNvSpPr>
-            <a:spLocks noGrp="1" noRot="1" noChangeAspect="1"/>
-          </p:cNvSpPr>
-          <p:nvPr>
-            <p:ph type="sldImg" idx="2"/>
-          </p:nvPr>
-        </p:nvSpPr>
-        <p:spPr>
-          <a:xfrm>
-            <a:off x="381000" y="685800"/>
-            <a:ext cx="6096000" cy="3429000"/>
-          </a:xfrm>
-          <a:custGeom>
-            <a:avLst/>
-            <a:gdLst/>
-            <a:ahLst/>
-            <a:cxnLst/>
-            <a:rect l="0" t="0" r="0" b="0"/>
-            <a:pathLst>
-              <a:path w="120000" h="120000" extrusionOk="0">
-                <a:moveTo>
-                  <a:pt x="0" y="0"/>
-                </a:moveTo>
-                <a:lnTo>
-                  <a:pt x="120000" y="0"/>
-                </a:lnTo>
-                <a:lnTo>
-                  <a:pt x="120000" y="120000"/>
-                </a:lnTo>
-                <a:lnTo>
-                  <a:pt x="0" y="120000"/>
-                </a:lnTo>
-                <a:close/>
-              </a:path>
-            </a:pathLst>
-          </a:custGeom>
-        </p:spPr>
-      </p:sp>
-      <p:sp>
-        <p:nvSpPr>
-          <p:cNvPr id="234" name="Shape 234"/>
-          <p:cNvSpPr txBox="1">
-            <a:spLocks noGrp="1"/>
-          </p:cNvSpPr>
-          <p:nvPr>
-            <p:ph type="body" idx="1"/>
-          </p:nvPr>
-        </p:nvSpPr>
-        <p:spPr>
-          <a:xfrm>
-            <a:off x="685800" y="4343400"/>
-            <a:ext cx="5486400" cy="4114800"/>
-          </a:xfrm>
-          <a:prstGeom prst="rect">
-            <a:avLst/>
-          </a:prstGeom>
-        </p:spPr>
-        <p:txBody>
-          <a:bodyPr wrap="square" lIns="91425" tIns="91425" rIns="91425" bIns="91425" anchor="t" anchorCtr="0">
-            <a:noAutofit/>
-          </a:bodyPr>
-          <a:lstStyle/>
-          <a:p>
-            <a:pPr lvl="0">
-              <a:spcBef>
-                <a:spcPts val="0"/>
-              </a:spcBef>
-              <a:buNone/>
-            </a:pPr>
-            <a:endParaRPr/>
-          </a:p>
-        </p:txBody>
-      </p:sp>
-    </p:spTree>
-    <p:extLst>
-      <p:ext uri="{BB962C8B-B14F-4D97-AF65-F5344CB8AC3E}">
         <p14:creationId xmlns:p14="http://schemas.microsoft.com/office/powerpoint/2010/main" val="609047304"/>
       </p:ext>
     </p:extLst>
@@ -1157,900 +1097,7 @@
 </p:notes>
 </file>
 
-<file path=ppt/notesSlides/notesSlide7.xml><?xml version="1.0" encoding="utf-8"?>
-<p:notes xmlns:a="http://schemas.openxmlformats.org/drawingml/2006/main" xmlns:r="http://schemas.openxmlformats.org/officeDocument/2006/relationships" xmlns:p="http://schemas.openxmlformats.org/presentationml/2006/main" showMasterSp="0" showMasterPhAnim="0">
-  <p:cSld>
-    <p:spTree>
-      <p:nvGrpSpPr>
-        <p:cNvPr id="1" name="Shape 232"/>
-        <p:cNvGrpSpPr/>
-        <p:nvPr/>
-      </p:nvGrpSpPr>
-      <p:grpSpPr>
-        <a:xfrm>
-          <a:off x="0" y="0"/>
-          <a:ext cx="0" cy="0"/>
-          <a:chOff x="0" y="0"/>
-          <a:chExt cx="0" cy="0"/>
-        </a:xfrm>
-      </p:grpSpPr>
-      <p:sp>
-        <p:nvSpPr>
-          <p:cNvPr id="233" name="Shape 233"/>
-          <p:cNvSpPr>
-            <a:spLocks noGrp="1" noRot="1" noChangeAspect="1"/>
-          </p:cNvSpPr>
-          <p:nvPr>
-            <p:ph type="sldImg" idx="2"/>
-          </p:nvPr>
-        </p:nvSpPr>
-        <p:spPr>
-          <a:xfrm>
-            <a:off x="381000" y="685800"/>
-            <a:ext cx="6096000" cy="3429000"/>
-          </a:xfrm>
-          <a:custGeom>
-            <a:avLst/>
-            <a:gdLst/>
-            <a:ahLst/>
-            <a:cxnLst/>
-            <a:rect l="0" t="0" r="0" b="0"/>
-            <a:pathLst>
-              <a:path w="120000" h="120000" extrusionOk="0">
-                <a:moveTo>
-                  <a:pt x="0" y="0"/>
-                </a:moveTo>
-                <a:lnTo>
-                  <a:pt x="120000" y="0"/>
-                </a:lnTo>
-                <a:lnTo>
-                  <a:pt x="120000" y="120000"/>
-                </a:lnTo>
-                <a:lnTo>
-                  <a:pt x="0" y="120000"/>
-                </a:lnTo>
-                <a:close/>
-              </a:path>
-            </a:pathLst>
-          </a:custGeom>
-        </p:spPr>
-      </p:sp>
-      <p:sp>
-        <p:nvSpPr>
-          <p:cNvPr id="234" name="Shape 234"/>
-          <p:cNvSpPr txBox="1">
-            <a:spLocks noGrp="1"/>
-          </p:cNvSpPr>
-          <p:nvPr>
-            <p:ph type="body" idx="1"/>
-          </p:nvPr>
-        </p:nvSpPr>
-        <p:spPr>
-          <a:xfrm>
-            <a:off x="685800" y="4343400"/>
-            <a:ext cx="5486400" cy="4114800"/>
-          </a:xfrm>
-          <a:prstGeom prst="rect">
-            <a:avLst/>
-          </a:prstGeom>
-        </p:spPr>
-        <p:txBody>
-          <a:bodyPr wrap="square" lIns="91425" tIns="91425" rIns="91425" bIns="91425" anchor="t" anchorCtr="0">
-            <a:noAutofit/>
-          </a:bodyPr>
-          <a:lstStyle/>
-          <a:p>
-            <a:pPr lvl="0">
-              <a:spcBef>
-                <a:spcPts val="0"/>
-              </a:spcBef>
-              <a:buNone/>
-            </a:pPr>
-            <a:endParaRPr/>
-          </a:p>
-        </p:txBody>
-      </p:sp>
-    </p:spTree>
-    <p:extLst>
-      <p:ext uri="{BB962C8B-B14F-4D97-AF65-F5344CB8AC3E}">
-        <p14:creationId xmlns:p14="http://schemas.microsoft.com/office/powerpoint/2010/main" val="2218909958"/>
-      </p:ext>
-    </p:extLst>
-  </p:cSld>
-  <p:clrMapOvr>
-    <a:masterClrMapping/>
-  </p:clrMapOvr>
-</p:notes>
-</file>
-
 <file path=ppt/slideLayouts/slideLayout1.xml><?xml version="1.0" encoding="utf-8"?>
-<p:sldLayout xmlns:a="http://schemas.openxmlformats.org/drawingml/2006/main" xmlns:r="http://schemas.openxmlformats.org/officeDocument/2006/relationships" xmlns:p="http://schemas.openxmlformats.org/presentationml/2006/main">
-  <p:cSld name="Subtitle">
-    <p:spTree>
-      <p:nvGrpSpPr>
-        <p:cNvPr id="1" name="Shape 23"/>
-        <p:cNvGrpSpPr/>
-        <p:nvPr/>
-      </p:nvGrpSpPr>
-      <p:grpSpPr>
-        <a:xfrm>
-          <a:off x="0" y="0"/>
-          <a:ext cx="0" cy="0"/>
-          <a:chOff x="0" y="0"/>
-          <a:chExt cx="0" cy="0"/>
-        </a:xfrm>
-      </p:grpSpPr>
-      <p:sp>
-        <p:nvSpPr>
-          <p:cNvPr id="24" name="Shape 24"/>
-          <p:cNvSpPr/>
-          <p:nvPr/>
-        </p:nvSpPr>
-        <p:spPr>
-          <a:xfrm>
-            <a:off x="5697214" y="2635519"/>
-            <a:ext cx="889200" cy="296400"/>
-          </a:xfrm>
-          <a:prstGeom prst="triangle">
-            <a:avLst>
-              <a:gd name="adj" fmla="val 32425"/>
-            </a:avLst>
-          </a:prstGeom>
-          <a:solidFill>
-            <a:srgbClr val="263248"/>
-          </a:solidFill>
-          <a:ln>
-            <a:noFill/>
-          </a:ln>
-        </p:spPr>
-        <p:txBody>
-          <a:bodyPr wrap="square" lIns="91425" tIns="91425" rIns="91425" bIns="91425" anchor="ctr" anchorCtr="0">
-            <a:noAutofit/>
-          </a:bodyPr>
-          <a:lstStyle/>
-          <a:p>
-            <a:pPr lvl="0" rtl="0">
-              <a:spcBef>
-                <a:spcPts val="0"/>
-              </a:spcBef>
-              <a:buNone/>
-            </a:pPr>
-            <a:endParaRPr>
-              <a:latin typeface="Arvo"/>
-              <a:ea typeface="Arvo"/>
-              <a:cs typeface="Arvo"/>
-              <a:sym typeface="Arvo"/>
-            </a:endParaRPr>
-          </a:p>
-        </p:txBody>
-      </p:sp>
-      <p:grpSp>
-        <p:nvGrpSpPr>
-          <p:cNvPr id="25" name="Shape 25"/>
-          <p:cNvGrpSpPr/>
-          <p:nvPr/>
-        </p:nvGrpSpPr>
-        <p:grpSpPr>
-          <a:xfrm>
-            <a:off x="0" y="-7088"/>
-            <a:ext cx="8661398" cy="5150588"/>
-            <a:chOff x="0" y="-7088"/>
-            <a:chExt cx="8661398" cy="5150588"/>
-          </a:xfrm>
-        </p:grpSpPr>
-        <p:sp>
-          <p:nvSpPr>
-            <p:cNvPr id="26" name="Shape 26"/>
-            <p:cNvSpPr/>
-            <p:nvPr/>
-          </p:nvSpPr>
-          <p:spPr>
-            <a:xfrm>
-              <a:off x="0" y="0"/>
-              <a:ext cx="3525000" cy="5143500"/>
-            </a:xfrm>
-            <a:prstGeom prst="rect">
-              <a:avLst/>
-            </a:prstGeom>
-            <a:solidFill>
-              <a:srgbClr val="C7D3E6"/>
-            </a:solidFill>
-            <a:ln>
-              <a:noFill/>
-            </a:ln>
-          </p:spPr>
-          <p:txBody>
-            <a:bodyPr wrap="square" lIns="91425" tIns="91425" rIns="91425" bIns="91425" anchor="ctr" anchorCtr="0">
-              <a:noAutofit/>
-            </a:bodyPr>
-            <a:lstStyle/>
-            <a:p>
-              <a:pPr lvl="0">
-                <a:spcBef>
-                  <a:spcPts val="0"/>
-                </a:spcBef>
-                <a:buNone/>
-              </a:pPr>
-              <a:endParaRPr/>
-            </a:p>
-          </p:txBody>
-        </p:sp>
-        <p:sp>
-          <p:nvSpPr>
-            <p:cNvPr id="27" name="Shape 27"/>
-            <p:cNvSpPr/>
-            <p:nvPr/>
-          </p:nvSpPr>
-          <p:spPr>
-            <a:xfrm rot="10800000" flipH="1">
-              <a:off x="3517898" y="-7088"/>
-              <a:ext cx="5143500" cy="5143500"/>
-            </a:xfrm>
-            <a:prstGeom prst="rtTriangle">
-              <a:avLst/>
-            </a:prstGeom>
-            <a:solidFill>
-              <a:srgbClr val="C7D3E6"/>
-            </a:solidFill>
-            <a:ln>
-              <a:noFill/>
-            </a:ln>
-          </p:spPr>
-          <p:txBody>
-            <a:bodyPr wrap="square" lIns="91425" tIns="91425" rIns="91425" bIns="91425" anchor="ctr" anchorCtr="0">
-              <a:noAutofit/>
-            </a:bodyPr>
-            <a:lstStyle/>
-            <a:p>
-              <a:pPr lvl="0" rtl="0">
-                <a:spcBef>
-                  <a:spcPts val="0"/>
-                </a:spcBef>
-                <a:buNone/>
-              </a:pPr>
-              <a:endParaRPr>
-                <a:latin typeface="Arvo"/>
-                <a:ea typeface="Arvo"/>
-                <a:cs typeface="Arvo"/>
-                <a:sym typeface="Arvo"/>
-              </a:endParaRPr>
-            </a:p>
-          </p:txBody>
-        </p:sp>
-      </p:grpSp>
-      <p:grpSp>
-        <p:nvGrpSpPr>
-          <p:cNvPr id="28" name="Shape 28"/>
-          <p:cNvGrpSpPr/>
-          <p:nvPr/>
-        </p:nvGrpSpPr>
-        <p:grpSpPr>
-          <a:xfrm rot="10800000" flipH="1">
-            <a:off x="-2" y="2924826"/>
-            <a:ext cx="6589087" cy="2027268"/>
-            <a:chOff x="-9894852" y="-4493254"/>
-            <a:chExt cx="21200407" cy="6522740"/>
-          </a:xfrm>
-        </p:grpSpPr>
-        <p:sp>
-          <p:nvSpPr>
-            <p:cNvPr id="29" name="Shape 29"/>
-            <p:cNvSpPr/>
-            <p:nvPr/>
-          </p:nvSpPr>
-          <p:spPr>
-            <a:xfrm>
-              <a:off x="-9894852" y="-4493114"/>
-              <a:ext cx="14685300" cy="6522600"/>
-            </a:xfrm>
-            <a:prstGeom prst="rect">
-              <a:avLst/>
-            </a:prstGeom>
-            <a:solidFill>
-              <a:srgbClr val="3F5378"/>
-            </a:solidFill>
-            <a:ln>
-              <a:noFill/>
-            </a:ln>
-          </p:spPr>
-          <p:txBody>
-            <a:bodyPr wrap="square" lIns="91425" tIns="91425" rIns="91425" bIns="91425" anchor="ctr" anchorCtr="0">
-              <a:noAutofit/>
-            </a:bodyPr>
-            <a:lstStyle/>
-            <a:p>
-              <a:pPr lvl="0" rtl="0">
-                <a:spcBef>
-                  <a:spcPts val="0"/>
-                </a:spcBef>
-                <a:buNone/>
-              </a:pPr>
-              <a:endParaRPr>
-                <a:latin typeface="Arvo"/>
-                <a:ea typeface="Arvo"/>
-                <a:cs typeface="Arvo"/>
-                <a:sym typeface="Arvo"/>
-              </a:endParaRPr>
-            </a:p>
-          </p:txBody>
-        </p:sp>
-        <p:sp>
-          <p:nvSpPr>
-            <p:cNvPr id="30" name="Shape 30"/>
-            <p:cNvSpPr/>
-            <p:nvPr/>
-          </p:nvSpPr>
-          <p:spPr>
-            <a:xfrm>
-              <a:off x="4782955" y="-4493254"/>
-              <a:ext cx="6522600" cy="6522600"/>
-            </a:xfrm>
-            <a:prstGeom prst="rtTriangle">
-              <a:avLst/>
-            </a:prstGeom>
-            <a:solidFill>
-              <a:srgbClr val="3F5378"/>
-            </a:solidFill>
-            <a:ln>
-              <a:noFill/>
-            </a:ln>
-          </p:spPr>
-          <p:txBody>
-            <a:bodyPr wrap="square" lIns="91425" tIns="91425" rIns="91425" bIns="91425" anchor="ctr" anchorCtr="0">
-              <a:noAutofit/>
-            </a:bodyPr>
-            <a:lstStyle/>
-            <a:p>
-              <a:pPr lvl="0" rtl="0">
-                <a:spcBef>
-                  <a:spcPts val="0"/>
-                </a:spcBef>
-                <a:buNone/>
-              </a:pPr>
-              <a:endParaRPr>
-                <a:latin typeface="Arvo"/>
-                <a:ea typeface="Arvo"/>
-                <a:cs typeface="Arvo"/>
-                <a:sym typeface="Arvo"/>
-              </a:endParaRPr>
-            </a:p>
-          </p:txBody>
-        </p:sp>
-      </p:grpSp>
-      <p:grpSp>
-        <p:nvGrpSpPr>
-          <p:cNvPr id="31" name="Shape 31"/>
-          <p:cNvGrpSpPr/>
-          <p:nvPr/>
-        </p:nvGrpSpPr>
-        <p:grpSpPr>
-          <a:xfrm>
-            <a:off x="6946842" y="4472723"/>
-            <a:ext cx="2202830" cy="670795"/>
-            <a:chOff x="5575242" y="4472723"/>
-            <a:chExt cx="2202830" cy="670795"/>
-          </a:xfrm>
-        </p:grpSpPr>
-        <p:sp>
-          <p:nvSpPr>
-            <p:cNvPr id="32" name="Shape 32"/>
-            <p:cNvSpPr/>
-            <p:nvPr/>
-          </p:nvSpPr>
-          <p:spPr>
-            <a:xfrm rot="10800000">
-              <a:off x="5575242" y="4948334"/>
-              <a:ext cx="394200" cy="131400"/>
-            </a:xfrm>
-            <a:prstGeom prst="triangle">
-              <a:avLst>
-                <a:gd name="adj" fmla="val 32425"/>
-              </a:avLst>
-            </a:prstGeom>
-            <a:solidFill>
-              <a:srgbClr val="D26F00"/>
-            </a:solidFill>
-            <a:ln>
-              <a:noFill/>
-            </a:ln>
-          </p:spPr>
-          <p:txBody>
-            <a:bodyPr wrap="square" lIns="91425" tIns="91425" rIns="91425" bIns="91425" anchor="ctr" anchorCtr="0">
-              <a:noAutofit/>
-            </a:bodyPr>
-            <a:lstStyle/>
-            <a:p>
-              <a:pPr lvl="0">
-                <a:spcBef>
-                  <a:spcPts val="0"/>
-                </a:spcBef>
-                <a:buNone/>
-              </a:pPr>
-              <a:endParaRPr/>
-            </a:p>
-          </p:txBody>
-        </p:sp>
-        <p:grpSp>
-          <p:nvGrpSpPr>
-            <p:cNvPr id="33" name="Shape 33"/>
-            <p:cNvGrpSpPr/>
-            <p:nvPr/>
-          </p:nvGrpSpPr>
-          <p:grpSpPr>
-            <a:xfrm flipH="1">
-              <a:off x="5734850" y="4472723"/>
-              <a:ext cx="2040837" cy="670795"/>
-              <a:chOff x="1297954" y="330075"/>
-              <a:chExt cx="5169293" cy="1699506"/>
-            </a:xfrm>
-          </p:grpSpPr>
-          <p:sp>
-            <p:nvSpPr>
-              <p:cNvPr id="34" name="Shape 34"/>
-              <p:cNvSpPr/>
-              <p:nvPr/>
-            </p:nvSpPr>
-            <p:spPr>
-              <a:xfrm>
-                <a:off x="1297954" y="330081"/>
-                <a:ext cx="3476700" cy="1699500"/>
-              </a:xfrm>
-              <a:prstGeom prst="rect">
-                <a:avLst/>
-              </a:prstGeom>
-              <a:solidFill>
-                <a:srgbClr val="C7D3E6"/>
-              </a:solidFill>
-              <a:ln>
-                <a:noFill/>
-              </a:ln>
-            </p:spPr>
-            <p:txBody>
-              <a:bodyPr wrap="square" lIns="91425" tIns="91425" rIns="91425" bIns="91425" anchor="ctr" anchorCtr="0">
-                <a:noAutofit/>
-              </a:bodyPr>
-              <a:lstStyle/>
-              <a:p>
-                <a:pPr lvl="0" rtl="0">
-                  <a:spcBef>
-                    <a:spcPts val="0"/>
-                  </a:spcBef>
-                  <a:buNone/>
-                </a:pPr>
-                <a:endParaRPr/>
-              </a:p>
-            </p:txBody>
-          </p:sp>
-          <p:sp>
-            <p:nvSpPr>
-              <p:cNvPr id="35" name="Shape 35"/>
-              <p:cNvSpPr/>
-              <p:nvPr/>
-            </p:nvSpPr>
-            <p:spPr>
-              <a:xfrm>
-                <a:off x="4767747" y="330075"/>
-                <a:ext cx="1699500" cy="1699500"/>
-              </a:xfrm>
-              <a:prstGeom prst="rtTriangle">
-                <a:avLst/>
-              </a:prstGeom>
-              <a:solidFill>
-                <a:srgbClr val="C7D3E6"/>
-              </a:solidFill>
-              <a:ln>
-                <a:noFill/>
-              </a:ln>
-            </p:spPr>
-            <p:txBody>
-              <a:bodyPr wrap="square" lIns="91425" tIns="91425" rIns="91425" bIns="91425" anchor="ctr" anchorCtr="0">
-                <a:noAutofit/>
-              </a:bodyPr>
-              <a:lstStyle/>
-              <a:p>
-                <a:pPr lvl="0">
-                  <a:spcBef>
-                    <a:spcPts val="0"/>
-                  </a:spcBef>
-                  <a:buNone/>
-                </a:pPr>
-                <a:endParaRPr/>
-              </a:p>
-            </p:txBody>
-          </p:sp>
-        </p:grpSp>
-        <p:grpSp>
-          <p:nvGrpSpPr>
-            <p:cNvPr id="36" name="Shape 36"/>
-            <p:cNvGrpSpPr/>
-            <p:nvPr/>
-          </p:nvGrpSpPr>
-          <p:grpSpPr>
-            <a:xfrm flipH="1">
-              <a:off x="5578209" y="4646738"/>
-              <a:ext cx="2199863" cy="304563"/>
-              <a:chOff x="-5827153" y="330075"/>
-              <a:chExt cx="12276019" cy="1699569"/>
-            </a:xfrm>
-          </p:grpSpPr>
-          <p:sp>
-            <p:nvSpPr>
-              <p:cNvPr id="37" name="Shape 37"/>
-              <p:cNvSpPr/>
-              <p:nvPr/>
-            </p:nvSpPr>
-            <p:spPr>
-              <a:xfrm>
-                <a:off x="-5827153" y="330144"/>
-                <a:ext cx="10612200" cy="1699500"/>
-              </a:xfrm>
-              <a:prstGeom prst="rect">
-                <a:avLst/>
-              </a:prstGeom>
-              <a:solidFill>
-                <a:srgbClr val="FF9800"/>
-              </a:solidFill>
-              <a:ln>
-                <a:noFill/>
-              </a:ln>
-            </p:spPr>
-            <p:txBody>
-              <a:bodyPr wrap="square" lIns="91425" tIns="91425" rIns="91425" bIns="91425" anchor="ctr" anchorCtr="0">
-                <a:noAutofit/>
-              </a:bodyPr>
-              <a:lstStyle/>
-              <a:p>
-                <a:pPr lvl="0" rtl="0">
-                  <a:spcBef>
-                    <a:spcPts val="0"/>
-                  </a:spcBef>
-                  <a:buNone/>
-                </a:pPr>
-                <a:endParaRPr/>
-              </a:p>
-            </p:txBody>
-          </p:sp>
-          <p:sp>
-            <p:nvSpPr>
-              <p:cNvPr id="38" name="Shape 38"/>
-              <p:cNvSpPr/>
-              <p:nvPr/>
-            </p:nvSpPr>
-            <p:spPr>
-              <a:xfrm>
-                <a:off x="4749366" y="330075"/>
-                <a:ext cx="1699500" cy="1699500"/>
-              </a:xfrm>
-              <a:prstGeom prst="rtTriangle">
-                <a:avLst/>
-              </a:prstGeom>
-              <a:solidFill>
-                <a:srgbClr val="FF9800"/>
-              </a:solidFill>
-              <a:ln>
-                <a:noFill/>
-              </a:ln>
-            </p:spPr>
-            <p:txBody>
-              <a:bodyPr wrap="square" lIns="91425" tIns="91425" rIns="91425" bIns="91425" anchor="ctr" anchorCtr="0">
-                <a:noAutofit/>
-              </a:bodyPr>
-              <a:lstStyle/>
-              <a:p>
-                <a:pPr lvl="0">
-                  <a:spcBef>
-                    <a:spcPts val="0"/>
-                  </a:spcBef>
-                  <a:buNone/>
-                </a:pPr>
-                <a:endParaRPr/>
-              </a:p>
-            </p:txBody>
-          </p:sp>
-        </p:grpSp>
-      </p:grpSp>
-      <p:sp>
-        <p:nvSpPr>
-          <p:cNvPr id="39" name="Shape 39"/>
-          <p:cNvSpPr txBox="1">
-            <a:spLocks noGrp="1"/>
-          </p:cNvSpPr>
-          <p:nvPr>
-            <p:ph type="ctrTitle"/>
-          </p:nvPr>
-        </p:nvSpPr>
-        <p:spPr>
-          <a:xfrm>
-            <a:off x="463525" y="2871148"/>
-            <a:ext cx="4094400" cy="1159800"/>
-          </a:xfrm>
-          <a:prstGeom prst="rect">
-            <a:avLst/>
-          </a:prstGeom>
-        </p:spPr>
-        <p:txBody>
-          <a:bodyPr wrap="square" lIns="91425" tIns="91425" rIns="91425" bIns="91425" anchor="b" anchorCtr="0"/>
-          <a:lstStyle>
-            <a:lvl1pPr lvl="0" rtl="0">
-              <a:spcBef>
-                <a:spcPts val="0"/>
-              </a:spcBef>
-              <a:buSzPct val="100000"/>
-              <a:defRPr sz="3000"/>
-            </a:lvl1pPr>
-            <a:lvl2pPr lvl="1" rtl="0">
-              <a:spcBef>
-                <a:spcPts val="0"/>
-              </a:spcBef>
-              <a:buSzPct val="100000"/>
-              <a:defRPr sz="3000"/>
-            </a:lvl2pPr>
-            <a:lvl3pPr lvl="2" rtl="0">
-              <a:spcBef>
-                <a:spcPts val="0"/>
-              </a:spcBef>
-              <a:buSzPct val="100000"/>
-              <a:defRPr sz="3000"/>
-            </a:lvl3pPr>
-            <a:lvl4pPr lvl="3" rtl="0">
-              <a:spcBef>
-                <a:spcPts val="0"/>
-              </a:spcBef>
-              <a:buSzPct val="100000"/>
-              <a:defRPr sz="3000"/>
-            </a:lvl4pPr>
-            <a:lvl5pPr lvl="4" rtl="0">
-              <a:spcBef>
-                <a:spcPts val="0"/>
-              </a:spcBef>
-              <a:buSzPct val="100000"/>
-              <a:defRPr sz="3000"/>
-            </a:lvl5pPr>
-            <a:lvl6pPr lvl="5" rtl="0">
-              <a:spcBef>
-                <a:spcPts val="0"/>
-              </a:spcBef>
-              <a:buSzPct val="100000"/>
-              <a:defRPr sz="3000"/>
-            </a:lvl6pPr>
-            <a:lvl7pPr lvl="6" rtl="0">
-              <a:spcBef>
-                <a:spcPts val="0"/>
-              </a:spcBef>
-              <a:buSzPct val="100000"/>
-              <a:defRPr sz="3000"/>
-            </a:lvl7pPr>
-            <a:lvl8pPr lvl="7" rtl="0">
-              <a:spcBef>
-                <a:spcPts val="0"/>
-              </a:spcBef>
-              <a:buSzPct val="100000"/>
-              <a:defRPr sz="3000"/>
-            </a:lvl8pPr>
-            <a:lvl9pPr lvl="8" rtl="0">
-              <a:spcBef>
-                <a:spcPts val="0"/>
-              </a:spcBef>
-              <a:buSzPct val="100000"/>
-              <a:defRPr sz="3000"/>
-            </a:lvl9pPr>
-          </a:lstStyle>
-          <a:p>
-            <a:endParaRPr/>
-          </a:p>
-        </p:txBody>
-      </p:sp>
-      <p:sp>
-        <p:nvSpPr>
-          <p:cNvPr id="40" name="Shape 40"/>
-          <p:cNvSpPr txBox="1">
-            <a:spLocks noGrp="1"/>
-          </p:cNvSpPr>
-          <p:nvPr>
-            <p:ph type="subTitle" idx="1"/>
-          </p:nvPr>
-        </p:nvSpPr>
-        <p:spPr>
-          <a:xfrm>
-            <a:off x="463525" y="3975449"/>
-            <a:ext cx="4094400" cy="784800"/>
-          </a:xfrm>
-          <a:prstGeom prst="rect">
-            <a:avLst/>
-          </a:prstGeom>
-        </p:spPr>
-        <p:txBody>
-          <a:bodyPr wrap="square" lIns="91425" tIns="91425" rIns="91425" bIns="91425" anchor="t" anchorCtr="0"/>
-          <a:lstStyle>
-            <a:lvl1pPr lvl="0" rtl="0">
-              <a:spcBef>
-                <a:spcPts val="0"/>
-              </a:spcBef>
-              <a:buClr>
-                <a:srgbClr val="FF9800"/>
-              </a:buClr>
-              <a:buSzPct val="100000"/>
-              <a:buNone/>
-              <a:defRPr sz="2000">
-                <a:solidFill>
-                  <a:srgbClr val="FF9800"/>
-                </a:solidFill>
-              </a:defRPr>
-            </a:lvl1pPr>
-            <a:lvl2pPr lvl="1" rtl="0">
-              <a:spcBef>
-                <a:spcPts val="0"/>
-              </a:spcBef>
-              <a:buClr>
-                <a:srgbClr val="FF9800"/>
-              </a:buClr>
-              <a:buSzPct val="100000"/>
-              <a:buNone/>
-              <a:defRPr sz="2000">
-                <a:solidFill>
-                  <a:srgbClr val="FF9800"/>
-                </a:solidFill>
-              </a:defRPr>
-            </a:lvl2pPr>
-            <a:lvl3pPr lvl="2" rtl="0">
-              <a:spcBef>
-                <a:spcPts val="0"/>
-              </a:spcBef>
-              <a:buClr>
-                <a:srgbClr val="FF9800"/>
-              </a:buClr>
-              <a:buSzPct val="100000"/>
-              <a:buNone/>
-              <a:defRPr sz="2000">
-                <a:solidFill>
-                  <a:srgbClr val="FF9800"/>
-                </a:solidFill>
-              </a:defRPr>
-            </a:lvl3pPr>
-            <a:lvl4pPr lvl="3" rtl="0">
-              <a:spcBef>
-                <a:spcPts val="0"/>
-              </a:spcBef>
-              <a:buClr>
-                <a:srgbClr val="FF9800"/>
-              </a:buClr>
-              <a:buSzPct val="100000"/>
-              <a:buNone/>
-              <a:defRPr sz="2000">
-                <a:solidFill>
-                  <a:srgbClr val="FF9800"/>
-                </a:solidFill>
-              </a:defRPr>
-            </a:lvl4pPr>
-            <a:lvl5pPr lvl="4" rtl="0">
-              <a:spcBef>
-                <a:spcPts val="0"/>
-              </a:spcBef>
-              <a:buClr>
-                <a:srgbClr val="FF9800"/>
-              </a:buClr>
-              <a:buSzPct val="100000"/>
-              <a:buNone/>
-              <a:defRPr sz="2000">
-                <a:solidFill>
-                  <a:srgbClr val="FF9800"/>
-                </a:solidFill>
-              </a:defRPr>
-            </a:lvl5pPr>
-            <a:lvl6pPr lvl="5" rtl="0">
-              <a:spcBef>
-                <a:spcPts val="0"/>
-              </a:spcBef>
-              <a:buClr>
-                <a:srgbClr val="FF9800"/>
-              </a:buClr>
-              <a:buSzPct val="100000"/>
-              <a:buNone/>
-              <a:defRPr sz="2000">
-                <a:solidFill>
-                  <a:srgbClr val="FF9800"/>
-                </a:solidFill>
-              </a:defRPr>
-            </a:lvl6pPr>
-            <a:lvl7pPr lvl="6" rtl="0">
-              <a:spcBef>
-                <a:spcPts val="0"/>
-              </a:spcBef>
-              <a:buClr>
-                <a:srgbClr val="FF9800"/>
-              </a:buClr>
-              <a:buSzPct val="100000"/>
-              <a:buNone/>
-              <a:defRPr sz="2000">
-                <a:solidFill>
-                  <a:srgbClr val="FF9800"/>
-                </a:solidFill>
-              </a:defRPr>
-            </a:lvl7pPr>
-            <a:lvl8pPr lvl="7" rtl="0">
-              <a:spcBef>
-                <a:spcPts val="0"/>
-              </a:spcBef>
-              <a:buClr>
-                <a:srgbClr val="FF9800"/>
-              </a:buClr>
-              <a:buSzPct val="100000"/>
-              <a:buNone/>
-              <a:defRPr sz="2000">
-                <a:solidFill>
-                  <a:srgbClr val="FF9800"/>
-                </a:solidFill>
-              </a:defRPr>
-            </a:lvl8pPr>
-            <a:lvl9pPr lvl="8" rtl="0">
-              <a:spcBef>
-                <a:spcPts val="0"/>
-              </a:spcBef>
-              <a:buClr>
-                <a:srgbClr val="FF9800"/>
-              </a:buClr>
-              <a:buSzPct val="100000"/>
-              <a:buNone/>
-              <a:defRPr sz="2000">
-                <a:solidFill>
-                  <a:srgbClr val="FF9800"/>
-                </a:solidFill>
-              </a:defRPr>
-            </a:lvl9pPr>
-          </a:lstStyle>
-          <a:p>
-            <a:endParaRPr/>
-          </a:p>
-        </p:txBody>
-      </p:sp>
-      <p:sp>
-        <p:nvSpPr>
-          <p:cNvPr id="41" name="Shape 41"/>
-          <p:cNvSpPr txBox="1">
-            <a:spLocks noGrp="1"/>
-          </p:cNvSpPr>
-          <p:nvPr>
-            <p:ph type="sldNum" idx="12"/>
-          </p:nvPr>
-        </p:nvSpPr>
-        <p:spPr>
-          <a:xfrm>
-            <a:off x="7618000" y="4636500"/>
-            <a:ext cx="1487400" cy="315600"/>
-          </a:xfrm>
-          <a:prstGeom prst="rect">
-            <a:avLst/>
-          </a:prstGeom>
-        </p:spPr>
-        <p:txBody>
-          <a:bodyPr wrap="square" lIns="91425" tIns="91425" rIns="91425" bIns="91425" anchor="ctr" anchorCtr="0">
-            <a:noAutofit/>
-          </a:bodyPr>
-          <a:lstStyle/>
-          <a:p>
-            <a:pPr lvl="0">
-              <a:spcBef>
-                <a:spcPts val="0"/>
-              </a:spcBef>
-              <a:buNone/>
-            </a:pPr>
-            <a:fld id="{00000000-1234-1234-1234-123412341234}" type="slidenum">
-              <a:rPr lang="en"/>
-              <a:t>‹Nr.›</a:t>
-            </a:fld>
-            <a:endParaRPr lang="en"/>
-          </a:p>
-        </p:txBody>
-      </p:sp>
-    </p:spTree>
-  </p:cSld>
-  <p:clrMapOvr>
-    <a:masterClrMapping/>
-  </p:clrMapOvr>
-</p:sldLayout>
-</file>
-
-<file path=ppt/slideLayouts/slideLayout2.xml><?xml version="1.0" encoding="utf-8"?>
 <p:sldLayout xmlns:a="http://schemas.openxmlformats.org/drawingml/2006/main" xmlns:r="http://schemas.openxmlformats.org/officeDocument/2006/relationships" xmlns:p="http://schemas.openxmlformats.org/presentationml/2006/main" type="tx">
   <p:cSld name="Title + 1 column">
     <p:spTree>
@@ -3306,8 +2353,7 @@
   </p:cSld>
   <p:clrMap bg1="lt1" tx1="dk1" bg2="dk2" tx2="lt2" accent1="accent1" accent2="accent2" accent3="accent3" accent4="accent4" accent5="accent5" accent6="accent6" hlink="hlink" folHlink="folHlink"/>
   <p:sldLayoutIdLst>
-    <p:sldLayoutId id="2147483649" r:id="rId1"/>
-    <p:sldLayoutId id="2147483651" r:id="rId2"/>
+    <p:sldLayoutId id="2147483651" r:id="rId1"/>
   </p:sldLayoutIdLst>
   <p:transition>
     <p:fade thruBlk="1"/>
@@ -3761,7 +2807,7 @@
   <p:cSld>
     <p:spTree>
       <p:nvGrpSpPr>
-        <p:cNvPr id="1" name="Shape 220"/>
+        <p:cNvPr id="1" name="Shape 235"/>
         <p:cNvGrpSpPr/>
         <p:nvPr/>
       </p:nvGrpSpPr>
@@ -3775,38 +2821,37 @@
       </p:grpSpPr>
       <p:sp>
         <p:nvSpPr>
-          <p:cNvPr id="221" name="Shape 221"/>
+          <p:cNvPr id="236" name="Shape 236"/>
           <p:cNvSpPr txBox="1">
             <a:spLocks noGrp="1"/>
           </p:cNvSpPr>
           <p:nvPr>
-            <p:ph type="ctrTitle"/>
+            <p:ph type="title"/>
           </p:nvPr>
         </p:nvSpPr>
         <p:spPr>
           <a:xfrm>
-            <a:off x="463525" y="2871148"/>
-            <a:ext cx="4094400" cy="1159800"/>
+            <a:off x="814275" y="392575"/>
+            <a:ext cx="5492400" cy="766200"/>
           </a:xfrm>
           <a:prstGeom prst="rect">
             <a:avLst/>
           </a:prstGeom>
         </p:spPr>
         <p:txBody>
-          <a:bodyPr wrap="square" lIns="91425" tIns="91425" rIns="91425" bIns="91425" anchor="b" anchorCtr="0">
+          <a:bodyPr wrap="square" lIns="91425" tIns="91425" rIns="91425" bIns="91425" anchor="ctr" anchorCtr="0">
             <a:noAutofit/>
           </a:bodyPr>
           <a:lstStyle/>
           <a:p>
-            <a:pPr lvl="0" rtl="0">
-              <a:spcBef>
-                <a:spcPts val="0"/>
-              </a:spcBef>
-              <a:buNone/>
+            <a:pPr marL="76200" lvl="0">
+              <a:spcAft>
+                <a:spcPts val="1000"/>
+              </a:spcAft>
             </a:pPr>
             <a:r>
-              <a:rPr lang="de-DE"/>
-              <a:t>NEURONALE NETZWERKE</a:t>
+              <a:rPr lang="de-DE" dirty="0"/>
+              <a:t>DURCHLAUF</a:t>
             </a:r>
             <a:endParaRPr lang="en" dirty="0"/>
           </a:p>
@@ -3814,38 +2859,90 @@
       </p:sp>
       <p:sp>
         <p:nvSpPr>
-          <p:cNvPr id="222" name="Shape 222"/>
+          <p:cNvPr id="237" name="Shape 237"/>
           <p:cNvSpPr txBox="1">
             <a:spLocks noGrp="1"/>
           </p:cNvSpPr>
           <p:nvPr>
-            <p:ph type="subTitle" idx="1"/>
+            <p:ph type="body" idx="1"/>
           </p:nvPr>
         </p:nvSpPr>
         <p:spPr>
           <a:xfrm>
-            <a:off x="463525" y="3975449"/>
-            <a:ext cx="4094400" cy="784800"/>
+            <a:off x="814274" y="1529377"/>
+            <a:ext cx="6803725" cy="3145500"/>
           </a:xfrm>
           <a:prstGeom prst="rect">
             <a:avLst/>
           </a:prstGeom>
         </p:spPr>
         <p:txBody>
-          <a:bodyPr wrap="square" lIns="91425" tIns="91425" rIns="91425" bIns="91425" anchor="t" anchorCtr="0">
+          <a:bodyPr wrap="square" lIns="91425" tIns="91425" rIns="91425" bIns="91425" anchor="ctr" anchorCtr="0">
             <a:noAutofit/>
           </a:bodyPr>
           <a:lstStyle/>
           <a:p>
-            <a:pPr lvl="0" rtl="0">
-              <a:spcBef>
-                <a:spcPts val="0"/>
-              </a:spcBef>
-              <a:buNone/>
+            <a:pPr marL="457200" lvl="0" indent="-381000">
+              <a:buFont typeface="Arial" panose="020B0604020202020204" pitchFamily="34" charset="0"/>
+              <a:buChar char="•"/>
             </a:pPr>
             <a:r>
               <a:rPr lang="de-DE" dirty="0"/>
-              <a:t>Wie lernt das Neuronale Netzwerk</a:t>
+              <a:t>Training besteht aus mehreren Epochen</a:t>
+            </a:r>
+          </a:p>
+          <a:p>
+            <a:pPr marL="457200" lvl="0" indent="-381000">
+              <a:buFont typeface="Arial" panose="020B0604020202020204" pitchFamily="34" charset="0"/>
+              <a:buChar char="•"/>
+            </a:pPr>
+            <a:r>
+              <a:rPr lang="de-DE" dirty="0"/>
+              <a:t>Eine Epoche ist der gesamte Trainings-Datensatz</a:t>
+            </a:r>
+          </a:p>
+          <a:p>
+            <a:pPr marL="457200" lvl="0" indent="-381000">
+              <a:buFont typeface="Arial" panose="020B0604020202020204" pitchFamily="34" charset="0"/>
+              <a:buChar char="•"/>
+            </a:pPr>
+            <a:r>
+              <a:rPr lang="de-DE" dirty="0"/>
+              <a:t>Eine Epoche wird in mehrere Batches unterteilt</a:t>
+            </a:r>
+          </a:p>
+          <a:p>
+            <a:pPr marL="457200" lvl="0" indent="-381000">
+              <a:buFont typeface="Arial" panose="020B0604020202020204" pitchFamily="34" charset="0"/>
+              <a:buChar char="•"/>
+            </a:pPr>
+            <a:r>
+              <a:rPr lang="de-DE" dirty="0"/>
+              <a:t>Die Updates der Gewichte werden dann mit einem „</a:t>
+            </a:r>
+            <a:r>
+              <a:rPr lang="de-DE" dirty="0" err="1"/>
+              <a:t>stochastic</a:t>
+            </a:r>
+            <a:r>
+              <a:rPr lang="de-DE" dirty="0"/>
+              <a:t> </a:t>
+            </a:r>
+            <a:r>
+              <a:rPr lang="de-DE" dirty="0" err="1"/>
+              <a:t>gradient</a:t>
+            </a:r>
+            <a:r>
+              <a:rPr lang="de-DE" dirty="0"/>
+              <a:t> </a:t>
+            </a:r>
+            <a:r>
+              <a:rPr lang="de-DE" dirty="0" err="1"/>
+              <a:t>descent</a:t>
+            </a:r>
+            <a:r>
+              <a:rPr lang="de-DE" dirty="0"/>
+              <a:t>“ (SGD) Verfahren berechnet</a:t>
             </a:r>
             <a:endParaRPr lang="en" dirty="0"/>
           </a:p>
@@ -3853,7 +2950,7 @@
       </p:sp>
       <p:sp>
         <p:nvSpPr>
-          <p:cNvPr id="223" name="Shape 223"/>
+          <p:cNvPr id="238" name="Shape 238"/>
           <p:cNvSpPr txBox="1">
             <a:spLocks noGrp="1"/>
           </p:cNvSpPr>
@@ -3890,53 +2987,12 @@
           </a:p>
         </p:txBody>
       </p:sp>
-      <p:sp>
-        <p:nvSpPr>
-          <p:cNvPr id="224" name="Shape 224"/>
-          <p:cNvSpPr txBox="1"/>
-          <p:nvPr/>
-        </p:nvSpPr>
-        <p:spPr>
-          <a:xfrm>
-            <a:off x="463525" y="0"/>
-            <a:ext cx="2181600" cy="3136200"/>
-          </a:xfrm>
-          <a:prstGeom prst="rect">
-            <a:avLst/>
-          </a:prstGeom>
-          <a:noFill/>
-          <a:ln>
-            <a:noFill/>
-          </a:ln>
-        </p:spPr>
-        <p:txBody>
-          <a:bodyPr wrap="square" lIns="91425" tIns="91425" rIns="91425" bIns="91425" anchor="b" anchorCtr="0">
-            <a:noAutofit/>
-          </a:bodyPr>
-          <a:lstStyle/>
-          <a:p>
-            <a:pPr lvl="0">
-              <a:spcBef>
-                <a:spcPts val="0"/>
-              </a:spcBef>
-              <a:buNone/>
-            </a:pPr>
-            <a:r>
-              <a:rPr lang="en" sz="12000" b="1" dirty="0">
-                <a:solidFill>
-                  <a:srgbClr val="3F5378"/>
-                </a:solidFill>
-                <a:latin typeface="Roboto Condensed"/>
-                <a:ea typeface="Roboto Condensed"/>
-                <a:cs typeface="Roboto Condensed"/>
-                <a:sym typeface="Roboto Condensed"/>
-              </a:rPr>
-              <a:t>5</a:t>
-            </a:r>
-          </a:p>
-        </p:txBody>
-      </p:sp>
     </p:spTree>
+    <p:extLst>
+      <p:ext uri="{BB962C8B-B14F-4D97-AF65-F5344CB8AC3E}">
+        <p14:creationId xmlns:p14="http://schemas.microsoft.com/office/powerpoint/2010/main" val="2949551828"/>
+      </p:ext>
+    </p:extLst>
   </p:cSld>
   <p:clrMapOvr>
     <a:masterClrMapping/>
@@ -3993,7 +3049,7 @@
             </a:pPr>
             <a:r>
               <a:rPr lang="de-DE" dirty="0"/>
-              <a:t>DURCHLAUF</a:t>
+              <a:t>STOCHASTIC GRADIENT DESCENT</a:t>
             </a:r>
             <a:endParaRPr lang="en" dirty="0"/>
           </a:p>
@@ -4030,37 +3086,7 @@
             </a:pPr>
             <a:r>
               <a:rPr lang="de-DE" dirty="0"/>
-              <a:t>Training besteht aus mehreren Epochen</a:t>
-            </a:r>
-          </a:p>
-          <a:p>
-            <a:pPr marL="457200" lvl="0" indent="-381000">
-              <a:buFont typeface="Arial" panose="020B0604020202020204" pitchFamily="34" charset="0"/>
-              <a:buChar char="•"/>
-            </a:pPr>
-            <a:r>
-              <a:rPr lang="de-DE" dirty="0"/>
-              <a:t>Eine Epoche ist der gesamte Trainings-Datensatz</a:t>
-            </a:r>
-          </a:p>
-          <a:p>
-            <a:pPr marL="457200" lvl="0" indent="-381000">
-              <a:buFont typeface="Arial" panose="020B0604020202020204" pitchFamily="34" charset="0"/>
-              <a:buChar char="•"/>
-            </a:pPr>
-            <a:r>
-              <a:rPr lang="de-DE" dirty="0"/>
-              <a:t>Eine Epoche wird in mehrere Batches unterteilt</a:t>
-            </a:r>
-          </a:p>
-          <a:p>
-            <a:pPr marL="457200" lvl="0" indent="-381000">
-              <a:buFont typeface="Arial" panose="020B0604020202020204" pitchFamily="34" charset="0"/>
-              <a:buChar char="•"/>
-            </a:pPr>
-            <a:r>
-              <a:rPr lang="de-DE" dirty="0"/>
-              <a:t>Die Updates der Gewichte werden dann mit einem „</a:t>
+              <a:t>Der „</a:t>
             </a:r>
             <a:r>
               <a:rPr lang="de-DE" dirty="0" err="1"/>
@@ -4084,9 +3110,44 @@
             </a:r>
             <a:r>
               <a:rPr lang="de-DE" dirty="0"/>
-              <a:t>“ (SGD) Verfahren berechnet</a:t>
+              <a:t>“ (SGD) bildet über eine Batch den Gradienten</a:t>
             </a:r>
-            <a:endParaRPr lang="en" dirty="0"/>
+          </a:p>
+          <a:p>
+            <a:pPr marL="457200" lvl="0" indent="-381000">
+              <a:buFont typeface="Arial" panose="020B0604020202020204" pitchFamily="34" charset="0"/>
+              <a:buChar char="•"/>
+            </a:pPr>
+            <a:r>
+              <a:rPr lang="de-DE" dirty="0"/>
+              <a:t>Der Gradient „</a:t>
+            </a:r>
+            <a:r>
+              <a:rPr lang="de-DE" dirty="0" err="1"/>
+              <a:t>updated</a:t>
+            </a:r>
+            <a:r>
+              <a:rPr lang="de-DE" dirty="0"/>
+              <a:t>“ dann die Gewichte der Schichten, beginnend mit der Output-Schicht</a:t>
+            </a:r>
+          </a:p>
+          <a:p>
+            <a:pPr marL="457200" lvl="0" indent="-381000">
+              <a:buFont typeface="Arial" panose="020B0604020202020204" pitchFamily="34" charset="0"/>
+              <a:buChar char="•"/>
+            </a:pPr>
+            <a:r>
+              <a:rPr lang="de-DE" dirty="0"/>
+              <a:t>Das Update wird in Relation zur gegebenen </a:t>
+            </a:r>
+            <a:r>
+              <a:rPr lang="de-DE" dirty="0" err="1"/>
+              <a:t>Lernrate</a:t>
+            </a:r>
+            <a:r>
+              <a:rPr lang="de-DE" dirty="0"/>
+              <a:t> ausgeführt</a:t>
+            </a:r>
           </a:p>
         </p:txBody>
       </p:sp>
@@ -4132,7 +3193,7 @@
     </p:spTree>
     <p:extLst>
       <p:ext uri="{BB962C8B-B14F-4D97-AF65-F5344CB8AC3E}">
-        <p14:creationId xmlns:p14="http://schemas.microsoft.com/office/powerpoint/2010/main" val="2949551828"/>
+        <p14:creationId xmlns:p14="http://schemas.microsoft.com/office/powerpoint/2010/main" val="876726416"/>
       </p:ext>
     </p:extLst>
   </p:cSld>
@@ -4191,7 +3252,7 @@
             </a:pPr>
             <a:r>
               <a:rPr lang="de-DE" dirty="0"/>
-              <a:t>STOCHASTIC GRADIENT DESCENT</a:t>
+              <a:t>VISUALISIERUNG DER LERNRATE</a:t>
             </a:r>
             <a:endParaRPr lang="en" dirty="0"/>
           </a:p>
@@ -4226,70 +3287,62 @@
               <a:buFont typeface="Arial" panose="020B0604020202020204" pitchFamily="34" charset="0"/>
               <a:buChar char="•"/>
             </a:pPr>
-            <a:r>
-              <a:rPr lang="de-DE" dirty="0"/>
-              <a:t>Der „</a:t>
-            </a:r>
-            <a:r>
-              <a:rPr lang="de-DE" dirty="0" err="1"/>
-              <a:t>stochastic</a:t>
-            </a:r>
-            <a:r>
-              <a:rPr lang="de-DE" dirty="0"/>
-              <a:t> </a:t>
-            </a:r>
-            <a:r>
-              <a:rPr lang="de-DE" dirty="0" err="1"/>
-              <a:t>gradient</a:t>
-            </a:r>
-            <a:r>
-              <a:rPr lang="de-DE" dirty="0"/>
-              <a:t> </a:t>
-            </a:r>
-            <a:r>
-              <a:rPr lang="de-DE" dirty="0" err="1"/>
-              <a:t>descent</a:t>
-            </a:r>
-            <a:r>
-              <a:rPr lang="de-DE" dirty="0"/>
-              <a:t>“ (SGD) bildet über eine Batch den Gradienten</a:t>
-            </a:r>
+            <a:endParaRPr lang="en" dirty="0"/>
           </a:p>
           <a:p>
             <a:pPr marL="457200" lvl="0" indent="-381000">
               <a:buFont typeface="Arial" panose="020B0604020202020204" pitchFamily="34" charset="0"/>
               <a:buChar char="•"/>
             </a:pPr>
-            <a:r>
-              <a:rPr lang="de-DE" dirty="0"/>
-              <a:t>Der Gradient „</a:t>
-            </a:r>
-            <a:r>
-              <a:rPr lang="de-DE" dirty="0" err="1"/>
-              <a:t>updated</a:t>
-            </a:r>
-            <a:r>
-              <a:rPr lang="de-DE" dirty="0"/>
-              <a:t>“ dann die Gewichte der Schichten, beginnend mit der Output-Schicht</a:t>
-            </a:r>
+            <a:endParaRPr lang="en" dirty="0"/>
           </a:p>
           <a:p>
             <a:pPr marL="457200" lvl="0" indent="-381000">
               <a:buFont typeface="Arial" panose="020B0604020202020204" pitchFamily="34" charset="0"/>
               <a:buChar char="•"/>
             </a:pPr>
+            <a:endParaRPr lang="en" dirty="0"/>
+          </a:p>
+          <a:p>
+            <a:pPr marL="457200" lvl="0" indent="-381000">
+              <a:buFont typeface="Arial" panose="020B0604020202020204" pitchFamily="34" charset="0"/>
+              <a:buChar char="•"/>
+            </a:pPr>
+            <a:endParaRPr lang="en" dirty="0"/>
+          </a:p>
+          <a:p>
+            <a:pPr marL="457200" lvl="0" indent="-381000">
+              <a:buFont typeface="Arial" panose="020B0604020202020204" pitchFamily="34" charset="0"/>
+              <a:buChar char="•"/>
+            </a:pPr>
+            <a:endParaRPr lang="en" dirty="0"/>
+          </a:p>
+          <a:p>
+            <a:pPr marL="457200" lvl="0" indent="-381000">
+              <a:buFont typeface="Arial" panose="020B0604020202020204" pitchFamily="34" charset="0"/>
+              <a:buChar char="•"/>
+            </a:pPr>
+            <a:endParaRPr lang="en" dirty="0"/>
+          </a:p>
+          <a:p>
+            <a:pPr marL="76200" lvl="0">
+              <a:buNone/>
+            </a:pPr>
+            <a:endParaRPr lang="en" dirty="0"/>
+          </a:p>
+          <a:p>
+            <a:pPr marL="76200" lvl="0">
+              <a:buNone/>
+            </a:pPr>
             <a:r>
-              <a:rPr lang="de-DE" dirty="0"/>
-              <a:t>Das Update wird in Relation zur gegebenen </a:t>
+              <a:rPr lang="en" sz="1200" dirty="0"/>
+              <a:t>Quelle: </a:t>
             </a:r>
             <a:r>
-              <a:rPr lang="de-DE" dirty="0" err="1"/>
-              <a:t>Lernrate</a:t>
+              <a:rPr lang="de-DE" sz="1200" dirty="0"/>
+              <a:t>http://cs231n.github.io/ (Stanford)</a:t>
             </a:r>
-            <a:r>
-              <a:rPr lang="de-DE" dirty="0"/>
-              <a:t> ausgeführt</a:t>
-            </a:r>
+            <a:endParaRPr lang="en" sz="1200" dirty="0"/>
           </a:p>
         </p:txBody>
       </p:sp>
@@ -4327,201 +3380,6 @@
             <a:fld id="{00000000-1234-1234-1234-123412341234}" type="slidenum">
               <a:rPr lang="en"/>
               <a:t>3</a:t>
-            </a:fld>
-            <a:endParaRPr lang="en"/>
-          </a:p>
-        </p:txBody>
-      </p:sp>
-    </p:spTree>
-    <p:extLst>
-      <p:ext uri="{BB962C8B-B14F-4D97-AF65-F5344CB8AC3E}">
-        <p14:creationId xmlns:p14="http://schemas.microsoft.com/office/powerpoint/2010/main" val="876726416"/>
-      </p:ext>
-    </p:extLst>
-  </p:cSld>
-  <p:clrMapOvr>
-    <a:masterClrMapping/>
-  </p:clrMapOvr>
-</p:sld>
-</file>
-
-<file path=ppt/slides/slide4.xml><?xml version="1.0" encoding="utf-8"?>
-<p:sld xmlns:a="http://schemas.openxmlformats.org/drawingml/2006/main" xmlns:r="http://schemas.openxmlformats.org/officeDocument/2006/relationships" xmlns:p="http://schemas.openxmlformats.org/presentationml/2006/main">
-  <p:cSld>
-    <p:spTree>
-      <p:nvGrpSpPr>
-        <p:cNvPr id="1" name="Shape 235"/>
-        <p:cNvGrpSpPr/>
-        <p:nvPr/>
-      </p:nvGrpSpPr>
-      <p:grpSpPr>
-        <a:xfrm>
-          <a:off x="0" y="0"/>
-          <a:ext cx="0" cy="0"/>
-          <a:chOff x="0" y="0"/>
-          <a:chExt cx="0" cy="0"/>
-        </a:xfrm>
-      </p:grpSpPr>
-      <p:sp>
-        <p:nvSpPr>
-          <p:cNvPr id="236" name="Shape 236"/>
-          <p:cNvSpPr txBox="1">
-            <a:spLocks noGrp="1"/>
-          </p:cNvSpPr>
-          <p:nvPr>
-            <p:ph type="title"/>
-          </p:nvPr>
-        </p:nvSpPr>
-        <p:spPr>
-          <a:xfrm>
-            <a:off x="814275" y="392575"/>
-            <a:ext cx="5492400" cy="766200"/>
-          </a:xfrm>
-          <a:prstGeom prst="rect">
-            <a:avLst/>
-          </a:prstGeom>
-        </p:spPr>
-        <p:txBody>
-          <a:bodyPr wrap="square" lIns="91425" tIns="91425" rIns="91425" bIns="91425" anchor="ctr" anchorCtr="0">
-            <a:noAutofit/>
-          </a:bodyPr>
-          <a:lstStyle/>
-          <a:p>
-            <a:pPr marL="76200" lvl="0">
-              <a:spcAft>
-                <a:spcPts val="1000"/>
-              </a:spcAft>
-            </a:pPr>
-            <a:r>
-              <a:rPr lang="de-DE" dirty="0"/>
-              <a:t>VISUALISIERUNG DER LERNRATE</a:t>
-            </a:r>
-            <a:endParaRPr lang="en" dirty="0"/>
-          </a:p>
-        </p:txBody>
-      </p:sp>
-      <p:sp>
-        <p:nvSpPr>
-          <p:cNvPr id="237" name="Shape 237"/>
-          <p:cNvSpPr txBox="1">
-            <a:spLocks noGrp="1"/>
-          </p:cNvSpPr>
-          <p:nvPr>
-            <p:ph type="body" idx="1"/>
-          </p:nvPr>
-        </p:nvSpPr>
-        <p:spPr>
-          <a:xfrm>
-            <a:off x="814274" y="1529377"/>
-            <a:ext cx="6803725" cy="3145500"/>
-          </a:xfrm>
-          <a:prstGeom prst="rect">
-            <a:avLst/>
-          </a:prstGeom>
-        </p:spPr>
-        <p:txBody>
-          <a:bodyPr wrap="square" lIns="91425" tIns="91425" rIns="91425" bIns="91425" anchor="ctr" anchorCtr="0">
-            <a:noAutofit/>
-          </a:bodyPr>
-          <a:lstStyle/>
-          <a:p>
-            <a:pPr marL="457200" lvl="0" indent="-381000">
-              <a:buFont typeface="Arial" panose="020B0604020202020204" pitchFamily="34" charset="0"/>
-              <a:buChar char="•"/>
-            </a:pPr>
-            <a:endParaRPr lang="en" dirty="0"/>
-          </a:p>
-          <a:p>
-            <a:pPr marL="457200" lvl="0" indent="-381000">
-              <a:buFont typeface="Arial" panose="020B0604020202020204" pitchFamily="34" charset="0"/>
-              <a:buChar char="•"/>
-            </a:pPr>
-            <a:endParaRPr lang="en" dirty="0"/>
-          </a:p>
-          <a:p>
-            <a:pPr marL="457200" lvl="0" indent="-381000">
-              <a:buFont typeface="Arial" panose="020B0604020202020204" pitchFamily="34" charset="0"/>
-              <a:buChar char="•"/>
-            </a:pPr>
-            <a:endParaRPr lang="en" dirty="0"/>
-          </a:p>
-          <a:p>
-            <a:pPr marL="457200" lvl="0" indent="-381000">
-              <a:buFont typeface="Arial" panose="020B0604020202020204" pitchFamily="34" charset="0"/>
-              <a:buChar char="•"/>
-            </a:pPr>
-            <a:endParaRPr lang="en" dirty="0"/>
-          </a:p>
-          <a:p>
-            <a:pPr marL="457200" lvl="0" indent="-381000">
-              <a:buFont typeface="Arial" panose="020B0604020202020204" pitchFamily="34" charset="0"/>
-              <a:buChar char="•"/>
-            </a:pPr>
-            <a:endParaRPr lang="en" dirty="0"/>
-          </a:p>
-          <a:p>
-            <a:pPr marL="457200" lvl="0" indent="-381000">
-              <a:buFont typeface="Arial" panose="020B0604020202020204" pitchFamily="34" charset="0"/>
-              <a:buChar char="•"/>
-            </a:pPr>
-            <a:endParaRPr lang="en" dirty="0"/>
-          </a:p>
-          <a:p>
-            <a:pPr marL="76200" lvl="0">
-              <a:buNone/>
-            </a:pPr>
-            <a:endParaRPr lang="en" dirty="0"/>
-          </a:p>
-          <a:p>
-            <a:pPr marL="76200" lvl="0">
-              <a:buNone/>
-            </a:pPr>
-            <a:r>
-              <a:rPr lang="en" sz="1200" dirty="0"/>
-              <a:t>Quelle: </a:t>
-            </a:r>
-            <a:r>
-              <a:rPr lang="de-DE" sz="1200" dirty="0"/>
-              <a:t>http://cs231n.github.io/ (Stanford)</a:t>
-            </a:r>
-            <a:endParaRPr lang="en" sz="1200" dirty="0"/>
-          </a:p>
-        </p:txBody>
-      </p:sp>
-      <p:sp>
-        <p:nvSpPr>
-          <p:cNvPr id="238" name="Shape 238"/>
-          <p:cNvSpPr txBox="1">
-            <a:spLocks noGrp="1"/>
-          </p:cNvSpPr>
-          <p:nvPr>
-            <p:ph type="sldNum" idx="12"/>
-          </p:nvPr>
-        </p:nvSpPr>
-        <p:spPr>
-          <a:xfrm>
-            <a:off x="7618000" y="4636500"/>
-            <a:ext cx="1487400" cy="315600"/>
-          </a:xfrm>
-          <a:prstGeom prst="rect">
-            <a:avLst/>
-          </a:prstGeom>
-        </p:spPr>
-        <p:txBody>
-          <a:bodyPr wrap="square" lIns="91425" tIns="91425" rIns="91425" bIns="91425" anchor="ctr" anchorCtr="0">
-            <a:noAutofit/>
-          </a:bodyPr>
-          <a:lstStyle/>
-          <a:p>
-            <a:pPr lvl="0">
-              <a:spcBef>
-                <a:spcPts val="0"/>
-              </a:spcBef>
-              <a:buNone/>
-            </a:pPr>
-            <a:fld id="{00000000-1234-1234-1234-123412341234}" type="slidenum">
-              <a:rPr lang="en"/>
-              <a:t>4</a:t>
             </a:fld>
             <a:endParaRPr lang="en"/>
           </a:p>
@@ -4600,7 +3458,7 @@
 </p:sld>
 </file>
 
-<file path=ppt/slides/slide5.xml><?xml version="1.0" encoding="utf-8"?>
+<file path=ppt/slides/slide4.xml><?xml version="1.0" encoding="utf-8"?>
 <p:sld xmlns:a="http://schemas.openxmlformats.org/drawingml/2006/main" xmlns:r="http://schemas.openxmlformats.org/officeDocument/2006/relationships" xmlns:p="http://schemas.openxmlformats.org/presentationml/2006/main">
   <p:cSld>
     <p:spTree>
@@ -4784,7 +3642,7 @@
             </a:pPr>
             <a:fld id="{00000000-1234-1234-1234-123412341234}" type="slidenum">
               <a:rPr lang="en"/>
-              <a:t>5</a:t>
+              <a:t>4</a:t>
             </a:fld>
             <a:endParaRPr lang="en"/>
           </a:p>
@@ -4833,7 +3691,7 @@
 </p:sld>
 </file>
 
-<file path=ppt/slides/slide6.xml><?xml version="1.0" encoding="utf-8"?>
+<file path=ppt/slides/slide5.xml><?xml version="1.0" encoding="utf-8"?>
 <p:sld xmlns:a="http://schemas.openxmlformats.org/drawingml/2006/main" xmlns:r="http://schemas.openxmlformats.org/officeDocument/2006/relationships" xmlns:p="http://schemas.openxmlformats.org/presentationml/2006/main">
   <p:cSld>
     <p:spTree>
@@ -4921,7 +3779,7 @@
             </a:pPr>
             <a:fld id="{00000000-1234-1234-1234-123412341234}" type="slidenum">
               <a:rPr lang="en"/>
-              <a:t>6</a:t>
+              <a:t>5</a:t>
             </a:fld>
             <a:endParaRPr lang="en"/>
           </a:p>
@@ -5272,155 +4130,6 @@
     <p:extLst>
       <p:ext uri="{BB962C8B-B14F-4D97-AF65-F5344CB8AC3E}">
         <p14:creationId xmlns:p14="http://schemas.microsoft.com/office/powerpoint/2010/main" val="27878410"/>
-      </p:ext>
-    </p:extLst>
-  </p:cSld>
-  <p:clrMapOvr>
-    <a:masterClrMapping/>
-  </p:clrMapOvr>
-</p:sld>
-</file>
-
-<file path=ppt/slides/slide7.xml><?xml version="1.0" encoding="utf-8"?>
-<p:sld xmlns:a="http://schemas.openxmlformats.org/drawingml/2006/main" xmlns:r="http://schemas.openxmlformats.org/officeDocument/2006/relationships" xmlns:p="http://schemas.openxmlformats.org/presentationml/2006/main">
-  <p:cSld>
-    <p:spTree>
-      <p:nvGrpSpPr>
-        <p:cNvPr id="1" name="Shape 235"/>
-        <p:cNvGrpSpPr/>
-        <p:nvPr/>
-      </p:nvGrpSpPr>
-      <p:grpSpPr>
-        <a:xfrm>
-          <a:off x="0" y="0"/>
-          <a:ext cx="0" cy="0"/>
-          <a:chOff x="0" y="0"/>
-          <a:chExt cx="0" cy="0"/>
-        </a:xfrm>
-      </p:grpSpPr>
-      <p:sp>
-        <p:nvSpPr>
-          <p:cNvPr id="236" name="Shape 236"/>
-          <p:cNvSpPr txBox="1">
-            <a:spLocks noGrp="1"/>
-          </p:cNvSpPr>
-          <p:nvPr>
-            <p:ph type="title"/>
-          </p:nvPr>
-        </p:nvSpPr>
-        <p:spPr>
-          <a:xfrm>
-            <a:off x="814275" y="392575"/>
-            <a:ext cx="5492400" cy="766200"/>
-          </a:xfrm>
-          <a:prstGeom prst="rect">
-            <a:avLst/>
-          </a:prstGeom>
-        </p:spPr>
-        <p:txBody>
-          <a:bodyPr wrap="square" lIns="91425" tIns="91425" rIns="91425" bIns="91425" anchor="ctr" anchorCtr="0">
-            <a:noAutofit/>
-          </a:bodyPr>
-          <a:lstStyle/>
-          <a:p>
-            <a:pPr marL="76200" lvl="0">
-              <a:spcAft>
-                <a:spcPts val="1000"/>
-              </a:spcAft>
-            </a:pPr>
-            <a:r>
-              <a:rPr lang="de-DE" dirty="0"/>
-              <a:t>INITIALISIERUNG DER GEWICHTE</a:t>
-            </a:r>
-            <a:endParaRPr lang="en" dirty="0"/>
-          </a:p>
-        </p:txBody>
-      </p:sp>
-      <p:sp>
-        <p:nvSpPr>
-          <p:cNvPr id="237" name="Shape 237"/>
-          <p:cNvSpPr txBox="1">
-            <a:spLocks noGrp="1"/>
-          </p:cNvSpPr>
-          <p:nvPr>
-            <p:ph type="body" idx="1"/>
-          </p:nvPr>
-        </p:nvSpPr>
-        <p:spPr>
-          <a:xfrm>
-            <a:off x="814274" y="1716410"/>
-            <a:ext cx="6803725" cy="3145500"/>
-          </a:xfrm>
-          <a:prstGeom prst="rect">
-            <a:avLst/>
-          </a:prstGeom>
-        </p:spPr>
-        <p:txBody>
-          <a:bodyPr wrap="square" lIns="91425" tIns="91425" rIns="91425" bIns="91425" anchor="ctr" anchorCtr="0">
-            <a:noAutofit/>
-          </a:bodyPr>
-          <a:lstStyle/>
-          <a:p>
-            <a:pPr marL="457200" lvl="0" indent="-381000">
-              <a:buFont typeface="Arial" panose="020B0604020202020204" pitchFamily="34" charset="0"/>
-              <a:buChar char="•"/>
-            </a:pPr>
-            <a:r>
-              <a:rPr lang="de-DE" dirty="0"/>
-              <a:t>Die Wahl der Zufallsverteilung und des Intervalls ist von entscheidender Bedeutung für die Gewichte</a:t>
-            </a:r>
-          </a:p>
-          <a:p>
-            <a:pPr marL="76200" lvl="0">
-              <a:buNone/>
-            </a:pPr>
-            <a:endParaRPr lang="de-DE" dirty="0"/>
-          </a:p>
-        </p:txBody>
-      </p:sp>
-      <p:sp>
-        <p:nvSpPr>
-          <p:cNvPr id="238" name="Shape 238"/>
-          <p:cNvSpPr txBox="1">
-            <a:spLocks noGrp="1"/>
-          </p:cNvSpPr>
-          <p:nvPr>
-            <p:ph type="sldNum" idx="12"/>
-          </p:nvPr>
-        </p:nvSpPr>
-        <p:spPr>
-          <a:xfrm>
-            <a:off x="7618000" y="4636500"/>
-            <a:ext cx="1487400" cy="315600"/>
-          </a:xfrm>
-          <a:prstGeom prst="rect">
-            <a:avLst/>
-          </a:prstGeom>
-        </p:spPr>
-        <p:txBody>
-          <a:bodyPr wrap="square" lIns="91425" tIns="91425" rIns="91425" bIns="91425" anchor="ctr" anchorCtr="0">
-            <a:noAutofit/>
-          </a:bodyPr>
-          <a:lstStyle/>
-          <a:p>
-            <a:pPr lvl="0">
-              <a:spcBef>
-                <a:spcPts val="0"/>
-              </a:spcBef>
-              <a:buNone/>
-            </a:pPr>
-            <a:fld id="{00000000-1234-1234-1234-123412341234}" type="slidenum">
-              <a:rPr lang="en"/>
-              <a:t>7</a:t>
-            </a:fld>
-            <a:endParaRPr lang="en"/>
-          </a:p>
-        </p:txBody>
-      </p:sp>
-    </p:spTree>
-    <p:extLst>
-      <p:ext uri="{BB962C8B-B14F-4D97-AF65-F5344CB8AC3E}">
-        <p14:creationId xmlns:p14="http://schemas.microsoft.com/office/powerpoint/2010/main" val="234268604"/>
       </p:ext>
     </p:extLst>
   </p:cSld>
